--- a/lectures/0_introduction.pptx
+++ b/lectures/0_introduction.pptx
@@ -114,6 +114,11 @@
       </a:defRPr>
     </a:lvl9pPr>
   </p:defaultTextStyle>
+  <p:extLst>
+    <p:ext uri="{EFAFB233-063F-42B5-8137-9DF3F51BA10A}">
+      <p15:sldGuideLst xmlns:p15="http://schemas.microsoft.com/office/powerpoint/2012/main"/>
+    </p:ext>
+  </p:extLst>
 </p:presentation>
 </file>
 
@@ -199,7 +204,7 @@
           <a:p>
             <a:fld id="{AC3D4C7F-B212-4F5D-A19E-A9A3DDA8A491}" type="datetimeFigureOut">
               <a:rPr lang="en-GB" smtClean="0"/>
-              <a:t>18/08/2019</a:t>
+              <a:t>22/08/2019</a:t>
             </a:fld>
             <a:endParaRPr lang="en-GB"/>
           </a:p>
@@ -700,7 +705,7 @@
           <a:p>
             <a:fld id="{8CEBC7DE-ED89-46B1-9F84-022BAED37CB2}" type="datetimeFigureOut">
               <a:rPr lang="en-GB" smtClean="0"/>
-              <a:t>18/08/2019</a:t>
+              <a:t>22/08/2019</a:t>
             </a:fld>
             <a:endParaRPr lang="en-GB"/>
           </a:p>
@@ -900,7 +905,7 @@
           <a:p>
             <a:fld id="{8CEBC7DE-ED89-46B1-9F84-022BAED37CB2}" type="datetimeFigureOut">
               <a:rPr lang="en-GB" smtClean="0"/>
-              <a:t>18/08/2019</a:t>
+              <a:t>22/08/2019</a:t>
             </a:fld>
             <a:endParaRPr lang="en-GB"/>
           </a:p>
@@ -1110,7 +1115,7 @@
           <a:p>
             <a:fld id="{8CEBC7DE-ED89-46B1-9F84-022BAED37CB2}" type="datetimeFigureOut">
               <a:rPr lang="en-GB" smtClean="0"/>
-              <a:t>18/08/2019</a:t>
+              <a:t>22/08/2019</a:t>
             </a:fld>
             <a:endParaRPr lang="en-GB"/>
           </a:p>
@@ -1310,7 +1315,7 @@
           <a:p>
             <a:fld id="{8CEBC7DE-ED89-46B1-9F84-022BAED37CB2}" type="datetimeFigureOut">
               <a:rPr lang="en-GB" smtClean="0"/>
-              <a:t>18/08/2019</a:t>
+              <a:t>22/08/2019</a:t>
             </a:fld>
             <a:endParaRPr lang="en-GB"/>
           </a:p>
@@ -1586,7 +1591,7 @@
           <a:p>
             <a:fld id="{8CEBC7DE-ED89-46B1-9F84-022BAED37CB2}" type="datetimeFigureOut">
               <a:rPr lang="en-GB" smtClean="0"/>
-              <a:t>18/08/2019</a:t>
+              <a:t>22/08/2019</a:t>
             </a:fld>
             <a:endParaRPr lang="en-GB"/>
           </a:p>
@@ -1854,7 +1859,7 @@
           <a:p>
             <a:fld id="{8CEBC7DE-ED89-46B1-9F84-022BAED37CB2}" type="datetimeFigureOut">
               <a:rPr lang="en-GB" smtClean="0"/>
-              <a:t>18/08/2019</a:t>
+              <a:t>22/08/2019</a:t>
             </a:fld>
             <a:endParaRPr lang="en-GB"/>
           </a:p>
@@ -2269,7 +2274,7 @@
           <a:p>
             <a:fld id="{8CEBC7DE-ED89-46B1-9F84-022BAED37CB2}" type="datetimeFigureOut">
               <a:rPr lang="en-GB" smtClean="0"/>
-              <a:t>18/08/2019</a:t>
+              <a:t>22/08/2019</a:t>
             </a:fld>
             <a:endParaRPr lang="en-GB"/>
           </a:p>
@@ -2411,7 +2416,7 @@
           <a:p>
             <a:fld id="{8CEBC7DE-ED89-46B1-9F84-022BAED37CB2}" type="datetimeFigureOut">
               <a:rPr lang="en-GB" smtClean="0"/>
-              <a:t>18/08/2019</a:t>
+              <a:t>22/08/2019</a:t>
             </a:fld>
             <a:endParaRPr lang="en-GB"/>
           </a:p>
@@ -2524,7 +2529,7 @@
           <a:p>
             <a:fld id="{8CEBC7DE-ED89-46B1-9F84-022BAED37CB2}" type="datetimeFigureOut">
               <a:rPr lang="en-GB" smtClean="0"/>
-              <a:t>18/08/2019</a:t>
+              <a:t>22/08/2019</a:t>
             </a:fld>
             <a:endParaRPr lang="en-GB"/>
           </a:p>
@@ -2837,7 +2842,7 @@
           <a:p>
             <a:fld id="{8CEBC7DE-ED89-46B1-9F84-022BAED37CB2}" type="datetimeFigureOut">
               <a:rPr lang="en-GB" smtClean="0"/>
-              <a:t>18/08/2019</a:t>
+              <a:t>22/08/2019</a:t>
             </a:fld>
             <a:endParaRPr lang="en-GB"/>
           </a:p>
@@ -3126,7 +3131,7 @@
           <a:p>
             <a:fld id="{8CEBC7DE-ED89-46B1-9F84-022BAED37CB2}" type="datetimeFigureOut">
               <a:rPr lang="en-GB" smtClean="0"/>
-              <a:t>18/08/2019</a:t>
+              <a:t>22/08/2019</a:t>
             </a:fld>
             <a:endParaRPr lang="en-GB"/>
           </a:p>
@@ -3369,7 +3374,7 @@
           <a:p>
             <a:fld id="{8CEBC7DE-ED89-46B1-9F84-022BAED37CB2}" type="datetimeFigureOut">
               <a:rPr lang="en-GB" smtClean="0"/>
-              <a:t>18/08/2019</a:t>
+              <a:t>22/08/2019</a:t>
             </a:fld>
             <a:endParaRPr lang="en-GB"/>
           </a:p>
@@ -3933,7 +3938,22 @@
           <a:bodyPr/>
           <a:lstStyle/>
           <a:p>
-            <a:endParaRPr lang="en-GB" dirty="0"/>
+            <a:r>
+              <a:rPr lang="en-GB" dirty="0"/>
+              <a:t>Dori</a:t>
+            </a:r>
+          </a:p>
+          <a:p>
+            <a:r>
+              <a:rPr lang="en-GB" dirty="0"/>
+              <a:t>Sarah</a:t>
+            </a:r>
+          </a:p>
+          <a:p>
+            <a:r>
+              <a:rPr lang="en-GB" dirty="0"/>
+              <a:t>Graeme</a:t>
+            </a:r>
           </a:p>
         </p:txBody>
       </p:sp>
@@ -4688,18 +4708,6 @@
               <a:rPr lang="en-GB" dirty="0"/>
               <a:t>Be constructive when helping each other</a:t>
             </a:r>
-          </a:p>
-          <a:p>
-            <a:r>
-              <a:rPr lang="en-GB" dirty="0"/>
-              <a:t>Follow Code of Conduct</a:t>
-            </a:r>
-          </a:p>
-          <a:p>
-            <a:pPr marL="0" indent="0">
-              <a:buNone/>
-            </a:pPr>
-            <a:endParaRPr lang="en-GB" dirty="0"/>
           </a:p>
           <a:p>
             <a:endParaRPr lang="en-GB" dirty="0"/>

--- a/lectures/0_introduction.pptx
+++ b/lectures/0_introduction.pptx
@@ -114,11 +114,6 @@
       </a:defRPr>
     </a:lvl9pPr>
   </p:defaultTextStyle>
-  <p:extLst>
-    <p:ext uri="{EFAFB233-063F-42B5-8137-9DF3F51BA10A}">
-      <p15:sldGuideLst xmlns:p15="http://schemas.microsoft.com/office/powerpoint/2012/main"/>
-    </p:ext>
-  </p:extLst>
 </p:presentation>
 </file>
 
@@ -204,7 +199,7 @@
           <a:p>
             <a:fld id="{AC3D4C7F-B212-4F5D-A19E-A9A3DDA8A491}" type="datetimeFigureOut">
               <a:rPr lang="en-GB" smtClean="0"/>
-              <a:t>22/08/2019</a:t>
+              <a:t>18/08/2019</a:t>
             </a:fld>
             <a:endParaRPr lang="en-GB"/>
           </a:p>
@@ -705,7 +700,7 @@
           <a:p>
             <a:fld id="{8CEBC7DE-ED89-46B1-9F84-022BAED37CB2}" type="datetimeFigureOut">
               <a:rPr lang="en-GB" smtClean="0"/>
-              <a:t>22/08/2019</a:t>
+              <a:t>18/08/2019</a:t>
             </a:fld>
             <a:endParaRPr lang="en-GB"/>
           </a:p>
@@ -905,7 +900,7 @@
           <a:p>
             <a:fld id="{8CEBC7DE-ED89-46B1-9F84-022BAED37CB2}" type="datetimeFigureOut">
               <a:rPr lang="en-GB" smtClean="0"/>
-              <a:t>22/08/2019</a:t>
+              <a:t>18/08/2019</a:t>
             </a:fld>
             <a:endParaRPr lang="en-GB"/>
           </a:p>
@@ -1115,7 +1110,7 @@
           <a:p>
             <a:fld id="{8CEBC7DE-ED89-46B1-9F84-022BAED37CB2}" type="datetimeFigureOut">
               <a:rPr lang="en-GB" smtClean="0"/>
-              <a:t>22/08/2019</a:t>
+              <a:t>18/08/2019</a:t>
             </a:fld>
             <a:endParaRPr lang="en-GB"/>
           </a:p>
@@ -1315,7 +1310,7 @@
           <a:p>
             <a:fld id="{8CEBC7DE-ED89-46B1-9F84-022BAED37CB2}" type="datetimeFigureOut">
               <a:rPr lang="en-GB" smtClean="0"/>
-              <a:t>22/08/2019</a:t>
+              <a:t>18/08/2019</a:t>
             </a:fld>
             <a:endParaRPr lang="en-GB"/>
           </a:p>
@@ -1591,7 +1586,7 @@
           <a:p>
             <a:fld id="{8CEBC7DE-ED89-46B1-9F84-022BAED37CB2}" type="datetimeFigureOut">
               <a:rPr lang="en-GB" smtClean="0"/>
-              <a:t>22/08/2019</a:t>
+              <a:t>18/08/2019</a:t>
             </a:fld>
             <a:endParaRPr lang="en-GB"/>
           </a:p>
@@ -1859,7 +1854,7 @@
           <a:p>
             <a:fld id="{8CEBC7DE-ED89-46B1-9F84-022BAED37CB2}" type="datetimeFigureOut">
               <a:rPr lang="en-GB" smtClean="0"/>
-              <a:t>22/08/2019</a:t>
+              <a:t>18/08/2019</a:t>
             </a:fld>
             <a:endParaRPr lang="en-GB"/>
           </a:p>
@@ -2274,7 +2269,7 @@
           <a:p>
             <a:fld id="{8CEBC7DE-ED89-46B1-9F84-022BAED37CB2}" type="datetimeFigureOut">
               <a:rPr lang="en-GB" smtClean="0"/>
-              <a:t>22/08/2019</a:t>
+              <a:t>18/08/2019</a:t>
             </a:fld>
             <a:endParaRPr lang="en-GB"/>
           </a:p>
@@ -2416,7 +2411,7 @@
           <a:p>
             <a:fld id="{8CEBC7DE-ED89-46B1-9F84-022BAED37CB2}" type="datetimeFigureOut">
               <a:rPr lang="en-GB" smtClean="0"/>
-              <a:t>22/08/2019</a:t>
+              <a:t>18/08/2019</a:t>
             </a:fld>
             <a:endParaRPr lang="en-GB"/>
           </a:p>
@@ -2529,7 +2524,7 @@
           <a:p>
             <a:fld id="{8CEBC7DE-ED89-46B1-9F84-022BAED37CB2}" type="datetimeFigureOut">
               <a:rPr lang="en-GB" smtClean="0"/>
-              <a:t>22/08/2019</a:t>
+              <a:t>18/08/2019</a:t>
             </a:fld>
             <a:endParaRPr lang="en-GB"/>
           </a:p>
@@ -2842,7 +2837,7 @@
           <a:p>
             <a:fld id="{8CEBC7DE-ED89-46B1-9F84-022BAED37CB2}" type="datetimeFigureOut">
               <a:rPr lang="en-GB" smtClean="0"/>
-              <a:t>22/08/2019</a:t>
+              <a:t>18/08/2019</a:t>
             </a:fld>
             <a:endParaRPr lang="en-GB"/>
           </a:p>
@@ -3131,7 +3126,7 @@
           <a:p>
             <a:fld id="{8CEBC7DE-ED89-46B1-9F84-022BAED37CB2}" type="datetimeFigureOut">
               <a:rPr lang="en-GB" smtClean="0"/>
-              <a:t>22/08/2019</a:t>
+              <a:t>18/08/2019</a:t>
             </a:fld>
             <a:endParaRPr lang="en-GB"/>
           </a:p>
@@ -3374,7 +3369,7 @@
           <a:p>
             <a:fld id="{8CEBC7DE-ED89-46B1-9F84-022BAED37CB2}" type="datetimeFigureOut">
               <a:rPr lang="en-GB" smtClean="0"/>
-              <a:t>22/08/2019</a:t>
+              <a:t>18/08/2019</a:t>
             </a:fld>
             <a:endParaRPr lang="en-GB"/>
           </a:p>
@@ -3938,22 +3933,7 @@
           <a:bodyPr/>
           <a:lstStyle/>
           <a:p>
-            <a:r>
-              <a:rPr lang="en-GB" dirty="0"/>
-              <a:t>Dori</a:t>
-            </a:r>
-          </a:p>
-          <a:p>
-            <a:r>
-              <a:rPr lang="en-GB" dirty="0"/>
-              <a:t>Sarah</a:t>
-            </a:r>
-          </a:p>
-          <a:p>
-            <a:r>
-              <a:rPr lang="en-GB" dirty="0"/>
-              <a:t>Graeme</a:t>
-            </a:r>
+            <a:endParaRPr lang="en-GB" dirty="0"/>
           </a:p>
         </p:txBody>
       </p:sp>
@@ -4708,6 +4688,18 @@
               <a:rPr lang="en-GB" dirty="0"/>
               <a:t>Be constructive when helping each other</a:t>
             </a:r>
+          </a:p>
+          <a:p>
+            <a:r>
+              <a:rPr lang="en-GB" dirty="0"/>
+              <a:t>Follow Code of Conduct</a:t>
+            </a:r>
+          </a:p>
+          <a:p>
+            <a:pPr marL="0" indent="0">
+              <a:buNone/>
+            </a:pPr>
+            <a:endParaRPr lang="en-GB" dirty="0"/>
           </a:p>
           <a:p>
             <a:endParaRPr lang="en-GB" dirty="0"/>
